--- a/ClassMaterials/Comparators/Slides/Part1-ComparableComparator.pptx
+++ b/ClassMaterials/Comparators/Slides/Part1-ComparableComparator.pptx
@@ -169,13 +169,37 @@
 <file path=ppt/revisionInfo.xml><?xml version="1.0" encoding="utf-8"?>
 <p1510:revInfo xmlns:a="http://schemas.openxmlformats.org/drawingml/2006/main" xmlns:r="http://schemas.openxmlformats.org/officeDocument/2006/relationships" xmlns:p1510="http://schemas.microsoft.com/office/powerpoint/2015/10/main">
   <p1510:revLst>
-    <p1510:client id="{64CD517A-63B4-4512-AD92-F40D4A1E82E9}" v="2" dt="2021-11-18T02:10:36.489"/>
+    <p1510:client id="{EC9CFC5C-A3D8-4A45-9135-CC5102AAEF63}" v="1" dt="2023-09-03T17:55:38.842"/>
   </p1510:revLst>
 </p1510:revInfo>
 </file>
 
 <file path=ppt/changesInfos/changesInfo1.xml><?xml version="1.0" encoding="utf-8"?>
 <pc:chgInfo xmlns:a="http://schemas.openxmlformats.org/drawingml/2006/main" xmlns:r="http://schemas.openxmlformats.org/officeDocument/2006/relationships" xmlns:ac="http://schemas.microsoft.com/office/drawing/2013/main/command" xmlns:pc="http://schemas.microsoft.com/office/powerpoint/2013/main/command">
+  <pc:docChgLst>
+    <pc:chgData name="Yoder, Jason" userId="28f4d4d8-da04-4f86-b14d-a21675737bc5" providerId="ADAL" clId="{EC9CFC5C-A3D8-4A45-9135-CC5102AAEF63}"/>
+    <pc:docChg chg="modSld">
+      <pc:chgData name="Yoder, Jason" userId="28f4d4d8-da04-4f86-b14d-a21675737bc5" providerId="ADAL" clId="{EC9CFC5C-A3D8-4A45-9135-CC5102AAEF63}" dt="2023-09-03T17:55:42.414" v="7" actId="20577"/>
+      <pc:docMkLst>
+        <pc:docMk/>
+      </pc:docMkLst>
+      <pc:sldChg chg="addSp modSp mod">
+        <pc:chgData name="Yoder, Jason" userId="28f4d4d8-da04-4f86-b14d-a21675737bc5" providerId="ADAL" clId="{EC9CFC5C-A3D8-4A45-9135-CC5102AAEF63}" dt="2023-09-03T17:55:42.414" v="7" actId="20577"/>
+        <pc:sldMkLst>
+          <pc:docMk/>
+          <pc:sldMk cId="0" sldId="305"/>
+        </pc:sldMkLst>
+        <pc:spChg chg="add mod">
+          <ac:chgData name="Yoder, Jason" userId="28f4d4d8-da04-4f86-b14d-a21675737bc5" providerId="ADAL" clId="{EC9CFC5C-A3D8-4A45-9135-CC5102AAEF63}" dt="2023-09-03T17:55:42.414" v="7" actId="20577"/>
+          <ac:spMkLst>
+            <pc:docMk/>
+            <pc:sldMk cId="0" sldId="305"/>
+            <ac:spMk id="3" creationId="{2D8B0936-E9FC-0535-9B5D-4104E1DB30C7}"/>
+          </ac:spMkLst>
+        </pc:spChg>
+      </pc:sldChg>
+    </pc:docChg>
+  </pc:docChgLst>
   <pc:docChgLst>
     <pc:chgData name="Letscher, Emma" userId="S::letscher@rose-hulman.edu::20371dcc-26e5-4071-a277-9ad1573a75d4" providerId="AD" clId="Web-{64CD517A-63B4-4512-AD92-F40D4A1E82E9}"/>
     <pc:docChg chg="modSld">
@@ -320,7 +344,7 @@
               <a:pPr>
                 <a:defRPr/>
               </a:pPr>
-              <a:t>11/6/22</a:t>
+              <a:t>9/3/2023</a:t>
             </a:fld>
             <a:endParaRPr lang="en-US"/>
           </a:p>
@@ -555,7 +579,7 @@
               <a:pPr>
                 <a:defRPr/>
               </a:pPr>
-              <a:t>11/6/22</a:t>
+              <a:t>9/3/2023</a:t>
             </a:fld>
             <a:endParaRPr lang="en-US"/>
           </a:p>
@@ -1711,7 +1735,7 @@
               <a:pPr>
                 <a:defRPr/>
               </a:pPr>
-              <a:t>Sunday, November 6, 2022</a:t>
+              <a:t>Sunday, September 3, 2023</a:t>
             </a:fld>
             <a:endParaRPr lang="en-US" dirty="0"/>
           </a:p>
@@ -1894,7 +1918,7 @@
               <a:pPr>
                 <a:defRPr/>
               </a:pPr>
-              <a:t>Sunday, November 6, 2022</a:t>
+              <a:t>Sunday, September 3, 2023</a:t>
             </a:fld>
             <a:endParaRPr lang="en-US" dirty="0"/>
           </a:p>
@@ -2087,7 +2111,7 @@
               <a:pPr>
                 <a:defRPr/>
               </a:pPr>
-              <a:t>Sunday, November 6, 2022</a:t>
+              <a:t>Sunday, September 3, 2023</a:t>
             </a:fld>
             <a:endParaRPr lang="en-US" dirty="0"/>
           </a:p>
@@ -2270,7 +2294,7 @@
               <a:pPr>
                 <a:defRPr/>
               </a:pPr>
-              <a:t>Sunday, November 6, 2022</a:t>
+              <a:t>Sunday, September 3, 2023</a:t>
             </a:fld>
             <a:endParaRPr lang="en-US" dirty="0"/>
           </a:p>
@@ -2530,7 +2554,7 @@
               <a:pPr>
                 <a:defRPr/>
               </a:pPr>
-              <a:t>Sunday, November 6, 2022</a:t>
+              <a:t>Sunday, September 3, 2023</a:t>
             </a:fld>
             <a:endParaRPr lang="en-US"/>
           </a:p>
@@ -2830,7 +2854,7 @@
               <a:pPr>
                 <a:defRPr/>
               </a:pPr>
-              <a:t>Sunday, November 6, 2022</a:t>
+              <a:t>Sunday, September 3, 2023</a:t>
             </a:fld>
             <a:endParaRPr lang="en-US"/>
           </a:p>
@@ -3264,7 +3288,7 @@
               <a:pPr>
                 <a:defRPr/>
               </a:pPr>
-              <a:t>Sunday, November 6, 2022</a:t>
+              <a:t>Sunday, September 3, 2023</a:t>
             </a:fld>
             <a:endParaRPr lang="en-US"/>
           </a:p>
@@ -3396,7 +3420,7 @@
               <a:pPr>
                 <a:defRPr/>
               </a:pPr>
-              <a:t>Sunday, November 6, 2022</a:t>
+              <a:t>Sunday, September 3, 2023</a:t>
             </a:fld>
             <a:endParaRPr lang="en-US"/>
           </a:p>
@@ -3506,7 +3530,7 @@
               <a:pPr>
                 <a:defRPr/>
               </a:pPr>
-              <a:t>Sunday, November 6, 2022</a:t>
+              <a:t>Sunday, September 3, 2023</a:t>
             </a:fld>
             <a:endParaRPr lang="en-US" dirty="0"/>
           </a:p>
@@ -3796,7 +3820,7 @@
               <a:pPr>
                 <a:defRPr/>
               </a:pPr>
-              <a:t>Sunday, November 6, 2022</a:t>
+              <a:t>Sunday, September 3, 2023</a:t>
             </a:fld>
             <a:endParaRPr lang="en-US"/>
           </a:p>
@@ -4063,7 +4087,7 @@
               <a:pPr>
                 <a:defRPr/>
               </a:pPr>
-              <a:t>Sunday, November 6, 2022</a:t>
+              <a:t>Sunday, September 3, 2023</a:t>
             </a:fld>
             <a:endParaRPr lang="en-US"/>
           </a:p>
@@ -4289,7 +4313,7 @@
               <a:pPr>
                 <a:defRPr/>
               </a:pPr>
-              <a:t>Sunday, November 6, 2022</a:t>
+              <a:t>Sunday, September 3, 2023</a:t>
             </a:fld>
             <a:endParaRPr lang="en-US" dirty="0"/>
           </a:p>
@@ -4826,6 +4850,77 @@
               <a:t>PracticeMergeSortSimpleSolution</a:t>
             </a:r>
             <a:endParaRPr lang="en-US" sz="2400" i="1" dirty="0"/>
+          </a:p>
+        </p:txBody>
+      </p:sp>
+      <p:sp>
+        <p:nvSpPr>
+          <p:cNvPr id="3" name="TextBox 2">
+            <a:extLst>
+              <a:ext uri="{FF2B5EF4-FFF2-40B4-BE49-F238E27FC236}">
+                <a16:creationId xmlns:a16="http://schemas.microsoft.com/office/drawing/2014/main" id="{2D8B0936-E9FC-0535-9B5D-4104E1DB30C7}"/>
+              </a:ext>
+            </a:extLst>
+          </p:cNvPr>
+          <p:cNvSpPr txBox="1"/>
+          <p:nvPr/>
+        </p:nvSpPr>
+        <p:spPr>
+          <a:xfrm>
+            <a:off x="3048001" y="-20697"/>
+            <a:ext cx="5903496" cy="1046440"/>
+          </a:xfrm>
+          <a:prstGeom prst="rect">
+            <a:avLst/>
+          </a:prstGeom>
+          <a:noFill/>
+          <a:ln w="12700" cap="flat">
+            <a:noFill/>
+            <a:miter lim="400000"/>
+          </a:ln>
+          <a:effectLst/>
+        </p:spPr>
+        <p:style>
+          <a:lnRef idx="0">
+            <a:scrgbClr r="0" g="0" b="0"/>
+          </a:lnRef>
+          <a:fillRef idx="0">
+            <a:scrgbClr r="0" g="0" b="0"/>
+          </a:fillRef>
+          <a:effectRef idx="0">
+            <a:scrgbClr r="0" g="0" b="0"/>
+          </a:effectRef>
+          <a:fontRef idx="none"/>
+        </p:style>
+        <p:txBody>
+          <a:bodyPr wrap="square">
+            <a:spAutoFit/>
+          </a:bodyPr>
+          <a:lstStyle/>
+          <a:p>
+            <a:r>
+              <a:rPr lang="en-US" dirty="0">
+                <a:highlight>
+                  <a:srgbClr val="FFFF00"/>
+                </a:highlight>
+              </a:rPr>
+              <a:t>Today’s Attendance password</a:t>
+            </a:r>
+          </a:p>
+          <a:p>
+            <a:r>
+              <a:rPr lang="en-US" sz="4400">
+                <a:highlight>
+                  <a:srgbClr val="FFFF00"/>
+                </a:highlight>
+              </a:rPr>
+              <a:t>compare</a:t>
+            </a:r>
+            <a:endParaRPr lang="en-US" sz="4400" dirty="0">
+              <a:highlight>
+                <a:srgbClr val="FFFF00"/>
+              </a:highlight>
+            </a:endParaRPr>
           </a:p>
         </p:txBody>
       </p:sp>
@@ -9402,6 +9497,12 @@
 </file>
 
 <file path=customXml/item2.xml><?xml version="1.0" encoding="utf-8"?>
+<p:properties xmlns:p="http://schemas.microsoft.com/office/2006/metadata/properties" xmlns:xsi="http://www.w3.org/2001/XMLSchema-instance" xmlns:pc="http://schemas.microsoft.com/office/infopath/2007/PartnerControls">
+  <documentManagement/>
+</p:properties>
+</file>
+
+<file path=customXml/item3.xml><?xml version="1.0" encoding="utf-8"?>
 <ct:contentTypeSchema xmlns:ct="http://schemas.microsoft.com/office/2006/metadata/contentType" xmlns:ma="http://schemas.microsoft.com/office/2006/metadata/properties/metaAttributes" ct:_="" ma:_="" ma:contentTypeName="Document" ma:contentTypeID="0x0101001570BCAAD2E4294F9443DCB038A55380" ma:contentTypeVersion="10" ma:contentTypeDescription="Create a new document." ma:contentTypeScope="" ma:versionID="84c2e02ee7a0dfaa743622fbac484332">
   <xsd:schema xmlns:xsd="http://www.w3.org/2001/XMLSchema" xmlns:xs="http://www.w3.org/2001/XMLSchema" xmlns:p="http://schemas.microsoft.com/office/2006/metadata/properties" xmlns:ns2="201674f6-2bdd-4f13-ba1e-424e4aa70473" targetNamespace="http://schemas.microsoft.com/office/2006/metadata/properties" ma:root="true" ma:fieldsID="0b220e6722f2c0d473d2d30e5cad202c" ns2:_="">
     <xsd:import namespace="201674f6-2bdd-4f13-ba1e-424e4aa70473"/>
@@ -9585,12 +9686,6 @@
 </ct:contentTypeSchema>
 </file>
 
-<file path=customXml/item3.xml><?xml version="1.0" encoding="utf-8"?>
-<p:properties xmlns:p="http://schemas.microsoft.com/office/2006/metadata/properties" xmlns:xsi="http://www.w3.org/2001/XMLSchema-instance" xmlns:pc="http://schemas.microsoft.com/office/infopath/2007/PartnerControls">
-  <documentManagement/>
-</p:properties>
-</file>
-
 <file path=customXml/itemProps1.xml><?xml version="1.0" encoding="utf-8"?>
 <ds:datastoreItem xmlns:ds="http://schemas.openxmlformats.org/officeDocument/2006/customXml" ds:itemID="{18BF21EC-2312-45E2-BCEE-8937A76D9E24}">
   <ds:schemaRefs>
@@ -9600,6 +9695,15 @@
 </file>
 
 <file path=customXml/itemProps2.xml><?xml version="1.0" encoding="utf-8"?>
+<ds:datastoreItem xmlns:ds="http://schemas.openxmlformats.org/officeDocument/2006/customXml" ds:itemID="{CFD45979-7452-4F9F-A6D3-7748092E7DDA}">
+  <ds:schemaRefs>
+    <ds:schemaRef ds:uri="http://schemas.microsoft.com/office/2006/metadata/properties"/>
+    <ds:schemaRef ds:uri="http://schemas.microsoft.com/office/infopath/2007/PartnerControls"/>
+  </ds:schemaRefs>
+</ds:datastoreItem>
+</file>
+
+<file path=customXml/itemProps3.xml><?xml version="1.0" encoding="utf-8"?>
 <ds:datastoreItem xmlns:ds="http://schemas.openxmlformats.org/officeDocument/2006/customXml" ds:itemID="{40A09E4F-BF38-48A0-AF6F-D0173F0C7B46}">
   <ds:schemaRefs>
     <ds:schemaRef ds:uri="http://schemas.microsoft.com/office/2006/metadata/contentType"/>
@@ -9615,13 +9719,4 @@
     <ds:schemaRef ds:uri="http://schemas.microsoft.com/internal/obd"/>
   </ds:schemaRefs>
 </ds:datastoreItem>
-</file>
-
-<file path=customXml/itemProps3.xml><?xml version="1.0" encoding="utf-8"?>
-<ds:datastoreItem xmlns:ds="http://schemas.openxmlformats.org/officeDocument/2006/customXml" ds:itemID="{CFD45979-7452-4F9F-A6D3-7748092E7DDA}">
-  <ds:schemaRefs>
-    <ds:schemaRef ds:uri="http://schemas.microsoft.com/office/2006/metadata/properties"/>
-    <ds:schemaRef ds:uri="http://schemas.microsoft.com/office/infopath/2007/PartnerControls"/>
-  </ds:schemaRefs>
-</ds:datastoreItem>
 </file>
--- a/ClassMaterials/Comparators/Slides/Part1-ComparableComparator.pptx
+++ b/ClassMaterials/Comparators/Slides/Part1-ComparableComparator.pptx
@@ -169,37 +169,13 @@
 <file path=ppt/revisionInfo.xml><?xml version="1.0" encoding="utf-8"?>
 <p1510:revInfo xmlns:a="http://schemas.openxmlformats.org/drawingml/2006/main" xmlns:r="http://schemas.openxmlformats.org/officeDocument/2006/relationships" xmlns:p1510="http://schemas.microsoft.com/office/powerpoint/2015/10/main">
   <p1510:revLst>
-    <p1510:client id="{EC9CFC5C-A3D8-4A45-9135-CC5102AAEF63}" v="1" dt="2023-09-03T17:55:38.842"/>
+    <p1510:client id="{64CD517A-63B4-4512-AD92-F40D4A1E82E9}" v="2" dt="2021-11-18T02:10:36.489"/>
   </p1510:revLst>
 </p1510:revInfo>
 </file>
 
 <file path=ppt/changesInfos/changesInfo1.xml><?xml version="1.0" encoding="utf-8"?>
 <pc:chgInfo xmlns:a="http://schemas.openxmlformats.org/drawingml/2006/main" xmlns:r="http://schemas.openxmlformats.org/officeDocument/2006/relationships" xmlns:ac="http://schemas.microsoft.com/office/drawing/2013/main/command" xmlns:pc="http://schemas.microsoft.com/office/powerpoint/2013/main/command">
-  <pc:docChgLst>
-    <pc:chgData name="Yoder, Jason" userId="28f4d4d8-da04-4f86-b14d-a21675737bc5" providerId="ADAL" clId="{EC9CFC5C-A3D8-4A45-9135-CC5102AAEF63}"/>
-    <pc:docChg chg="modSld">
-      <pc:chgData name="Yoder, Jason" userId="28f4d4d8-da04-4f86-b14d-a21675737bc5" providerId="ADAL" clId="{EC9CFC5C-A3D8-4A45-9135-CC5102AAEF63}" dt="2023-09-03T17:55:42.414" v="7" actId="20577"/>
-      <pc:docMkLst>
-        <pc:docMk/>
-      </pc:docMkLst>
-      <pc:sldChg chg="addSp modSp mod">
-        <pc:chgData name="Yoder, Jason" userId="28f4d4d8-da04-4f86-b14d-a21675737bc5" providerId="ADAL" clId="{EC9CFC5C-A3D8-4A45-9135-CC5102AAEF63}" dt="2023-09-03T17:55:42.414" v="7" actId="20577"/>
-        <pc:sldMkLst>
-          <pc:docMk/>
-          <pc:sldMk cId="0" sldId="305"/>
-        </pc:sldMkLst>
-        <pc:spChg chg="add mod">
-          <ac:chgData name="Yoder, Jason" userId="28f4d4d8-da04-4f86-b14d-a21675737bc5" providerId="ADAL" clId="{EC9CFC5C-A3D8-4A45-9135-CC5102AAEF63}" dt="2023-09-03T17:55:42.414" v="7" actId="20577"/>
-          <ac:spMkLst>
-            <pc:docMk/>
-            <pc:sldMk cId="0" sldId="305"/>
-            <ac:spMk id="3" creationId="{2D8B0936-E9FC-0535-9B5D-4104E1DB30C7}"/>
-          </ac:spMkLst>
-        </pc:spChg>
-      </pc:sldChg>
-    </pc:docChg>
-  </pc:docChgLst>
   <pc:docChgLst>
     <pc:chgData name="Letscher, Emma" userId="S::letscher@rose-hulman.edu::20371dcc-26e5-4071-a277-9ad1573a75d4" providerId="AD" clId="Web-{64CD517A-63B4-4512-AD92-F40D4A1E82E9}"/>
     <pc:docChg chg="modSld">
@@ -344,7 +320,7 @@
               <a:pPr>
                 <a:defRPr/>
               </a:pPr>
-              <a:t>9/3/2023</a:t>
+              <a:t>11/6/22</a:t>
             </a:fld>
             <a:endParaRPr lang="en-US"/>
           </a:p>
@@ -579,7 +555,7 @@
               <a:pPr>
                 <a:defRPr/>
               </a:pPr>
-              <a:t>9/3/2023</a:t>
+              <a:t>11/6/22</a:t>
             </a:fld>
             <a:endParaRPr lang="en-US"/>
           </a:p>
@@ -1735,7 +1711,7 @@
               <a:pPr>
                 <a:defRPr/>
               </a:pPr>
-              <a:t>Sunday, September 3, 2023</a:t>
+              <a:t>Sunday, November 6, 2022</a:t>
             </a:fld>
             <a:endParaRPr lang="en-US" dirty="0"/>
           </a:p>
@@ -1918,7 +1894,7 @@
               <a:pPr>
                 <a:defRPr/>
               </a:pPr>
-              <a:t>Sunday, September 3, 2023</a:t>
+              <a:t>Sunday, November 6, 2022</a:t>
             </a:fld>
             <a:endParaRPr lang="en-US" dirty="0"/>
           </a:p>
@@ -2111,7 +2087,7 @@
               <a:pPr>
                 <a:defRPr/>
               </a:pPr>
-              <a:t>Sunday, September 3, 2023</a:t>
+              <a:t>Sunday, November 6, 2022</a:t>
             </a:fld>
             <a:endParaRPr lang="en-US" dirty="0"/>
           </a:p>
@@ -2294,7 +2270,7 @@
               <a:pPr>
                 <a:defRPr/>
               </a:pPr>
-              <a:t>Sunday, September 3, 2023</a:t>
+              <a:t>Sunday, November 6, 2022</a:t>
             </a:fld>
             <a:endParaRPr lang="en-US" dirty="0"/>
           </a:p>
@@ -2554,7 +2530,7 @@
               <a:pPr>
                 <a:defRPr/>
               </a:pPr>
-              <a:t>Sunday, September 3, 2023</a:t>
+              <a:t>Sunday, November 6, 2022</a:t>
             </a:fld>
             <a:endParaRPr lang="en-US"/>
           </a:p>
@@ -2854,7 +2830,7 @@
               <a:pPr>
                 <a:defRPr/>
               </a:pPr>
-              <a:t>Sunday, September 3, 2023</a:t>
+              <a:t>Sunday, November 6, 2022</a:t>
             </a:fld>
             <a:endParaRPr lang="en-US"/>
           </a:p>
@@ -3288,7 +3264,7 @@
               <a:pPr>
                 <a:defRPr/>
               </a:pPr>
-              <a:t>Sunday, September 3, 2023</a:t>
+              <a:t>Sunday, November 6, 2022</a:t>
             </a:fld>
             <a:endParaRPr lang="en-US"/>
           </a:p>
@@ -3420,7 +3396,7 @@
               <a:pPr>
                 <a:defRPr/>
               </a:pPr>
-              <a:t>Sunday, September 3, 2023</a:t>
+              <a:t>Sunday, November 6, 2022</a:t>
             </a:fld>
             <a:endParaRPr lang="en-US"/>
           </a:p>
@@ -3530,7 +3506,7 @@
               <a:pPr>
                 <a:defRPr/>
               </a:pPr>
-              <a:t>Sunday, September 3, 2023</a:t>
+              <a:t>Sunday, November 6, 2022</a:t>
             </a:fld>
             <a:endParaRPr lang="en-US" dirty="0"/>
           </a:p>
@@ -3820,7 +3796,7 @@
               <a:pPr>
                 <a:defRPr/>
               </a:pPr>
-              <a:t>Sunday, September 3, 2023</a:t>
+              <a:t>Sunday, November 6, 2022</a:t>
             </a:fld>
             <a:endParaRPr lang="en-US"/>
           </a:p>
@@ -4087,7 +4063,7 @@
               <a:pPr>
                 <a:defRPr/>
               </a:pPr>
-              <a:t>Sunday, September 3, 2023</a:t>
+              <a:t>Sunday, November 6, 2022</a:t>
             </a:fld>
             <a:endParaRPr lang="en-US"/>
           </a:p>
@@ -4313,7 +4289,7 @@
               <a:pPr>
                 <a:defRPr/>
               </a:pPr>
-              <a:t>Sunday, September 3, 2023</a:t>
+              <a:t>Sunday, November 6, 2022</a:t>
             </a:fld>
             <a:endParaRPr lang="en-US" dirty="0"/>
           </a:p>
@@ -4850,77 +4826,6 @@
               <a:t>PracticeMergeSortSimpleSolution</a:t>
             </a:r>
             <a:endParaRPr lang="en-US" sz="2400" i="1" dirty="0"/>
-          </a:p>
-        </p:txBody>
-      </p:sp>
-      <p:sp>
-        <p:nvSpPr>
-          <p:cNvPr id="3" name="TextBox 2">
-            <a:extLst>
-              <a:ext uri="{FF2B5EF4-FFF2-40B4-BE49-F238E27FC236}">
-                <a16:creationId xmlns:a16="http://schemas.microsoft.com/office/drawing/2014/main" id="{2D8B0936-E9FC-0535-9B5D-4104E1DB30C7}"/>
-              </a:ext>
-            </a:extLst>
-          </p:cNvPr>
-          <p:cNvSpPr txBox="1"/>
-          <p:nvPr/>
-        </p:nvSpPr>
-        <p:spPr>
-          <a:xfrm>
-            <a:off x="3048001" y="-20697"/>
-            <a:ext cx="5903496" cy="1046440"/>
-          </a:xfrm>
-          <a:prstGeom prst="rect">
-            <a:avLst/>
-          </a:prstGeom>
-          <a:noFill/>
-          <a:ln w="12700" cap="flat">
-            <a:noFill/>
-            <a:miter lim="400000"/>
-          </a:ln>
-          <a:effectLst/>
-        </p:spPr>
-        <p:style>
-          <a:lnRef idx="0">
-            <a:scrgbClr r="0" g="0" b="0"/>
-          </a:lnRef>
-          <a:fillRef idx="0">
-            <a:scrgbClr r="0" g="0" b="0"/>
-          </a:fillRef>
-          <a:effectRef idx="0">
-            <a:scrgbClr r="0" g="0" b="0"/>
-          </a:effectRef>
-          <a:fontRef idx="none"/>
-        </p:style>
-        <p:txBody>
-          <a:bodyPr wrap="square">
-            <a:spAutoFit/>
-          </a:bodyPr>
-          <a:lstStyle/>
-          <a:p>
-            <a:r>
-              <a:rPr lang="en-US" dirty="0">
-                <a:highlight>
-                  <a:srgbClr val="FFFF00"/>
-                </a:highlight>
-              </a:rPr>
-              <a:t>Today’s Attendance password</a:t>
-            </a:r>
-          </a:p>
-          <a:p>
-            <a:r>
-              <a:rPr lang="en-US" sz="4400">
-                <a:highlight>
-                  <a:srgbClr val="FFFF00"/>
-                </a:highlight>
-              </a:rPr>
-              <a:t>compare</a:t>
-            </a:r>
-            <a:endParaRPr lang="en-US" sz="4400" dirty="0">
-              <a:highlight>
-                <a:srgbClr val="FFFF00"/>
-              </a:highlight>
-            </a:endParaRPr>
           </a:p>
         </p:txBody>
       </p:sp>
@@ -9497,12 +9402,6 @@
 </file>
 
 <file path=customXml/item2.xml><?xml version="1.0" encoding="utf-8"?>
-<p:properties xmlns:p="http://schemas.microsoft.com/office/2006/metadata/properties" xmlns:xsi="http://www.w3.org/2001/XMLSchema-instance" xmlns:pc="http://schemas.microsoft.com/office/infopath/2007/PartnerControls">
-  <documentManagement/>
-</p:properties>
-</file>
-
-<file path=customXml/item3.xml><?xml version="1.0" encoding="utf-8"?>
 <ct:contentTypeSchema xmlns:ct="http://schemas.microsoft.com/office/2006/metadata/contentType" xmlns:ma="http://schemas.microsoft.com/office/2006/metadata/properties/metaAttributes" ct:_="" ma:_="" ma:contentTypeName="Document" ma:contentTypeID="0x0101001570BCAAD2E4294F9443DCB038A55380" ma:contentTypeVersion="10" ma:contentTypeDescription="Create a new document." ma:contentTypeScope="" ma:versionID="84c2e02ee7a0dfaa743622fbac484332">
   <xsd:schema xmlns:xsd="http://www.w3.org/2001/XMLSchema" xmlns:xs="http://www.w3.org/2001/XMLSchema" xmlns:p="http://schemas.microsoft.com/office/2006/metadata/properties" xmlns:ns2="201674f6-2bdd-4f13-ba1e-424e4aa70473" targetNamespace="http://schemas.microsoft.com/office/2006/metadata/properties" ma:root="true" ma:fieldsID="0b220e6722f2c0d473d2d30e5cad202c" ns2:_="">
     <xsd:import namespace="201674f6-2bdd-4f13-ba1e-424e4aa70473"/>
@@ -9686,6 +9585,12 @@
 </ct:contentTypeSchema>
 </file>
 
+<file path=customXml/item3.xml><?xml version="1.0" encoding="utf-8"?>
+<p:properties xmlns:p="http://schemas.microsoft.com/office/2006/metadata/properties" xmlns:xsi="http://www.w3.org/2001/XMLSchema-instance" xmlns:pc="http://schemas.microsoft.com/office/infopath/2007/PartnerControls">
+  <documentManagement/>
+</p:properties>
+</file>
+
 <file path=customXml/itemProps1.xml><?xml version="1.0" encoding="utf-8"?>
 <ds:datastoreItem xmlns:ds="http://schemas.openxmlformats.org/officeDocument/2006/customXml" ds:itemID="{18BF21EC-2312-45E2-BCEE-8937A76D9E24}">
   <ds:schemaRefs>
@@ -9695,15 +9600,6 @@
 </file>
 
 <file path=customXml/itemProps2.xml><?xml version="1.0" encoding="utf-8"?>
-<ds:datastoreItem xmlns:ds="http://schemas.openxmlformats.org/officeDocument/2006/customXml" ds:itemID="{CFD45979-7452-4F9F-A6D3-7748092E7DDA}">
-  <ds:schemaRefs>
-    <ds:schemaRef ds:uri="http://schemas.microsoft.com/office/2006/metadata/properties"/>
-    <ds:schemaRef ds:uri="http://schemas.microsoft.com/office/infopath/2007/PartnerControls"/>
-  </ds:schemaRefs>
-</ds:datastoreItem>
-</file>
-
-<file path=customXml/itemProps3.xml><?xml version="1.0" encoding="utf-8"?>
 <ds:datastoreItem xmlns:ds="http://schemas.openxmlformats.org/officeDocument/2006/customXml" ds:itemID="{40A09E4F-BF38-48A0-AF6F-D0173F0C7B46}">
   <ds:schemaRefs>
     <ds:schemaRef ds:uri="http://schemas.microsoft.com/office/2006/metadata/contentType"/>
@@ -9719,4 +9615,13 @@
     <ds:schemaRef ds:uri="http://schemas.microsoft.com/internal/obd"/>
   </ds:schemaRefs>
 </ds:datastoreItem>
+</file>
+
+<file path=customXml/itemProps3.xml><?xml version="1.0" encoding="utf-8"?>
+<ds:datastoreItem xmlns:ds="http://schemas.openxmlformats.org/officeDocument/2006/customXml" ds:itemID="{CFD45979-7452-4F9F-A6D3-7748092E7DDA}">
+  <ds:schemaRefs>
+    <ds:schemaRef ds:uri="http://schemas.microsoft.com/office/2006/metadata/properties"/>
+    <ds:schemaRef ds:uri="http://schemas.microsoft.com/office/infopath/2007/PartnerControls"/>
+  </ds:schemaRefs>
+</ds:datastoreItem>
 </file>